--- a/workshop.pptx
+++ b/workshop.pptx
@@ -5,7 +5,7 @@
     <p:sldMasterId id="2147483648" r:id="rId1"/>
   </p:sldMasterIdLst>
   <p:notesMasterIdLst>
-    <p:notesMasterId r:id="rId15"/>
+    <p:notesMasterId r:id="rId17"/>
   </p:notesMasterIdLst>
   <p:sldIdLst>
     <p:sldId id="256" r:id="rId2"/>
@@ -21,6 +21,8 @@
     <p:sldId id="269" r:id="rId12"/>
     <p:sldId id="266" r:id="rId13"/>
     <p:sldId id="267" r:id="rId14"/>
+    <p:sldId id="270" r:id="rId15"/>
+    <p:sldId id="272" r:id="rId16"/>
   </p:sldIdLst>
   <p:sldSz cx="9144000" cy="5143500" type="screen16x9"/>
   <p:notesSz cx="6858000" cy="9144000"/>
@@ -224,7 +226,7 @@
           <a:p>
             <a:fld id="{B3E9D43B-8233-4A8B-88C6-39F2057FB943}" type="datetimeFigureOut">
               <a:rPr lang="en-US" smtClean="0"/>
-              <a:t>2/24/2020</a:t>
+              <a:t>2/25/2020</a:t>
             </a:fld>
             <a:endParaRPr lang="en-US"/>
           </a:p>
@@ -996,7 +998,7 @@
             <a:fld id="{53074F12-AA26-4AC8-9962-C36BB8F32554}" type="datetimeFigureOut">
               <a:rPr lang="en-US" smtClean="0"/>
               <a:pPr/>
-              <a:t>2/24/2020</a:t>
+              <a:t>2/25/2020</a:t>
             </a:fld>
             <a:endParaRPr lang="en-US"/>
           </a:p>
@@ -1250,7 +1252,7 @@
             <a:fld id="{53074F12-AA26-4AC8-9962-C36BB8F32554}" type="datetimeFigureOut">
               <a:rPr lang="en-US" smtClean="0"/>
               <a:pPr/>
-              <a:t>2/24/2020</a:t>
+              <a:t>2/25/2020</a:t>
             </a:fld>
             <a:endParaRPr lang="en-US"/>
           </a:p>
@@ -1420,7 +1422,7 @@
             <a:fld id="{53074F12-AA26-4AC8-9962-C36BB8F32554}" type="datetimeFigureOut">
               <a:rPr lang="en-US" smtClean="0"/>
               <a:pPr/>
-              <a:t>2/24/2020</a:t>
+              <a:t>2/25/2020</a:t>
             </a:fld>
             <a:endParaRPr lang="en-US"/>
           </a:p>
@@ -1600,7 +1602,7 @@
             <a:fld id="{53074F12-AA26-4AC8-9962-C36BB8F32554}" type="datetimeFigureOut">
               <a:rPr lang="en-US" smtClean="0"/>
               <a:pPr/>
-              <a:t>2/24/2020</a:t>
+              <a:t>2/25/2020</a:t>
             </a:fld>
             <a:endParaRPr lang="en-US"/>
           </a:p>
@@ -1882,7 +1884,7 @@
             <a:fld id="{53074F12-AA26-4AC8-9962-C36BB8F32554}" type="datetimeFigureOut">
               <a:rPr lang="en-US" smtClean="0"/>
               <a:pPr/>
-              <a:t>2/24/2020</a:t>
+              <a:t>2/25/2020</a:t>
             </a:fld>
             <a:endParaRPr lang="en-US"/>
           </a:p>
@@ -2129,7 +2131,7 @@
             <a:fld id="{53074F12-AA26-4AC8-9962-C36BB8F32554}" type="datetimeFigureOut">
               <a:rPr lang="en-US" smtClean="0"/>
               <a:pPr/>
-              <a:t>2/24/2020</a:t>
+              <a:t>2/25/2020</a:t>
             </a:fld>
             <a:endParaRPr lang="en-US"/>
           </a:p>
@@ -2376,7 +2378,7 @@
             <a:fld id="{53074F12-AA26-4AC8-9962-C36BB8F32554}" type="datetimeFigureOut">
               <a:rPr lang="en-US" smtClean="0"/>
               <a:pPr/>
-              <a:t>2/24/2020</a:t>
+              <a:t>2/25/2020</a:t>
             </a:fld>
             <a:endParaRPr lang="en-US"/>
           </a:p>
@@ -2663,7 +2665,7 @@
             <a:fld id="{53074F12-AA26-4AC8-9962-C36BB8F32554}" type="datetimeFigureOut">
               <a:rPr lang="en-US" smtClean="0"/>
               <a:pPr/>
-              <a:t>2/24/2020</a:t>
+              <a:t>2/25/2020</a:t>
             </a:fld>
             <a:endParaRPr lang="en-US"/>
           </a:p>
@@ -3150,7 +3152,7 @@
             <a:fld id="{53074F12-AA26-4AC8-9962-C36BB8F32554}" type="datetimeFigureOut">
               <a:rPr lang="en-US" smtClean="0"/>
               <a:pPr/>
-              <a:t>2/24/2020</a:t>
+              <a:t>2/25/2020</a:t>
             </a:fld>
             <a:endParaRPr lang="en-US"/>
           </a:p>
@@ -3269,7 +3271,7 @@
             <a:fld id="{53074F12-AA26-4AC8-9962-C36BB8F32554}" type="datetimeFigureOut">
               <a:rPr lang="en-US" smtClean="0"/>
               <a:pPr/>
-              <a:t>2/24/2020</a:t>
+              <a:t>2/25/2020</a:t>
             </a:fld>
             <a:endParaRPr lang="en-US"/>
           </a:p>
@@ -3366,7 +3368,7 @@
             <a:fld id="{53074F12-AA26-4AC8-9962-C36BB8F32554}" type="datetimeFigureOut">
               <a:rPr lang="en-US" smtClean="0"/>
               <a:pPr/>
-              <a:t>2/24/2020</a:t>
+              <a:t>2/25/2020</a:t>
             </a:fld>
             <a:endParaRPr lang="en-US"/>
           </a:p>
@@ -3643,7 +3645,7 @@
             <a:fld id="{53074F12-AA26-4AC8-9962-C36BB8F32554}" type="datetimeFigureOut">
               <a:rPr lang="en-US" smtClean="0"/>
               <a:pPr/>
-              <a:t>2/24/2020</a:t>
+              <a:t>2/25/2020</a:t>
             </a:fld>
             <a:endParaRPr lang="en-US"/>
           </a:p>
@@ -3865,7 +3867,7 @@
             <a:fld id="{53074F12-AA26-4AC8-9962-C36BB8F32554}" type="datetimeFigureOut">
               <a:rPr lang="en-US" smtClean="0"/>
               <a:pPr/>
-              <a:t>2/24/2020</a:t>
+              <a:t>2/25/2020</a:t>
             </a:fld>
             <a:endParaRPr lang="en-US"/>
           </a:p>
@@ -4416,12 +4418,12 @@
               <a:t>Open the project </a:t>
             </a:r>
             <a:r>
-              <a:rPr lang="en-US" dirty="0" err="1" smtClean="0"/>
-              <a:t>dir</a:t>
-            </a:r>
-            <a:r>
               <a:rPr lang="en-US" dirty="0" smtClean="0"/>
-              <a:t> in </a:t>
+              <a:t>dir. </a:t>
+            </a:r>
+            <a:r>
+              <a:rPr lang="en-US" dirty="0" smtClean="0"/>
+              <a:t>in </a:t>
             </a:r>
             <a:r>
               <a:rPr lang="en-US" dirty="0"/>
@@ -4824,6 +4826,188 @@
     <p:extLst>
       <p:ext uri="{BB962C8B-B14F-4D97-AF65-F5344CB8AC3E}">
         <p14:creationId xmlns:p14="http://schemas.microsoft.com/office/powerpoint/2010/main" val="2262872019"/>
+      </p:ext>
+    </p:extLst>
+  </p:cSld>
+  <p:clrMapOvr>
+    <a:masterClrMapping/>
+  </p:clrMapOvr>
+</p:sld>
+</file>
+
+<file path=ppt/slides/slide14.xml><?xml version="1.0" encoding="utf-8"?>
+<p:sld xmlns:a="http://schemas.openxmlformats.org/drawingml/2006/main" xmlns:r="http://schemas.openxmlformats.org/officeDocument/2006/relationships" xmlns:p="http://schemas.openxmlformats.org/presentationml/2006/main">
+  <p:cSld>
+    <p:spTree>
+      <p:nvGrpSpPr>
+        <p:cNvPr id="1" name=""/>
+        <p:cNvGrpSpPr/>
+        <p:nvPr/>
+      </p:nvGrpSpPr>
+      <p:grpSpPr>
+        <a:xfrm>
+          <a:off x="0" y="0"/>
+          <a:ext cx="0" cy="0"/>
+          <a:chOff x="0" y="0"/>
+          <a:chExt cx="0" cy="0"/>
+        </a:xfrm>
+      </p:grpSpPr>
+      <p:sp>
+        <p:nvSpPr>
+          <p:cNvPr id="2" name="Title 1"/>
+          <p:cNvSpPr>
+            <a:spLocks noGrp="1"/>
+          </p:cNvSpPr>
+          <p:nvPr>
+            <p:ph type="title"/>
+          </p:nvPr>
+        </p:nvSpPr>
+        <p:spPr/>
+        <p:txBody>
+          <a:bodyPr>
+            <a:normAutofit fontScale="90000"/>
+          </a:bodyPr>
+          <a:lstStyle/>
+          <a:p>
+            <a:r>
+              <a:rPr lang="en-US" dirty="0" smtClean="0"/>
+              <a:t>RESOURCES</a:t>
+            </a:r>
+            <a:endParaRPr lang="en-US" dirty="0"/>
+          </a:p>
+        </p:txBody>
+      </p:sp>
+      <p:sp>
+        <p:nvSpPr>
+          <p:cNvPr id="3" name="Content Placeholder 2"/>
+          <p:cNvSpPr>
+            <a:spLocks noGrp="1"/>
+          </p:cNvSpPr>
+          <p:nvPr>
+            <p:ph idx="1"/>
+          </p:nvPr>
+        </p:nvSpPr>
+        <p:spPr/>
+        <p:txBody>
+          <a:bodyPr/>
+          <a:lstStyle/>
+          <a:p>
+            <a:r>
+              <a:rPr lang="en-US" dirty="0">
+                <a:hlinkClick r:id="rId2"/>
+              </a:rPr>
+              <a:t>https://vuepress.vuejs.org</a:t>
+            </a:r>
+            <a:r>
+              <a:rPr lang="en-US" dirty="0" smtClean="0">
+                <a:hlinkClick r:id="rId2"/>
+              </a:rPr>
+              <a:t>/</a:t>
+            </a:r>
+            <a:endParaRPr lang="en-US" dirty="0" smtClean="0"/>
+          </a:p>
+          <a:p>
+            <a:r>
+              <a:rPr lang="en-US" dirty="0">
+                <a:hlinkClick r:id="rId3"/>
+              </a:rPr>
+              <a:t>h</a:t>
+            </a:r>
+            <a:r>
+              <a:rPr lang="en-US" dirty="0" smtClean="0">
+                <a:hlinkClick r:id="rId3"/>
+              </a:rPr>
+              <a:t>ttps</a:t>
+            </a:r>
+            <a:r>
+              <a:rPr lang="en-US" dirty="0">
+                <a:hlinkClick r:id="rId3"/>
+              </a:rPr>
+              <a:t>://</a:t>
+            </a:r>
+            <a:r>
+              <a:rPr lang="en-US" dirty="0" smtClean="0">
+                <a:hlinkClick r:id="rId3"/>
+              </a:rPr>
+              <a:t>www.youtube.com/watch?v=5Kqyhu_eIcw</a:t>
+            </a:r>
+            <a:endParaRPr lang="en-US" dirty="0" smtClean="0"/>
+          </a:p>
+          <a:p>
+            <a:endParaRPr lang="en-US" dirty="0"/>
+          </a:p>
+        </p:txBody>
+      </p:sp>
+    </p:spTree>
+    <p:extLst>
+      <p:ext uri="{BB962C8B-B14F-4D97-AF65-F5344CB8AC3E}">
+        <p14:creationId xmlns:p14="http://schemas.microsoft.com/office/powerpoint/2010/main" val="209993570"/>
+      </p:ext>
+    </p:extLst>
+  </p:cSld>
+  <p:clrMapOvr>
+    <a:masterClrMapping/>
+  </p:clrMapOvr>
+</p:sld>
+</file>
+
+<file path=ppt/slides/slide15.xml><?xml version="1.0" encoding="utf-8"?>
+<p:sld xmlns:a="http://schemas.openxmlformats.org/drawingml/2006/main" xmlns:r="http://schemas.openxmlformats.org/officeDocument/2006/relationships" xmlns:p="http://schemas.openxmlformats.org/presentationml/2006/main">
+  <p:cSld>
+    <p:spTree>
+      <p:nvGrpSpPr>
+        <p:cNvPr id="1" name=""/>
+        <p:cNvGrpSpPr/>
+        <p:nvPr/>
+      </p:nvGrpSpPr>
+      <p:grpSpPr>
+        <a:xfrm>
+          <a:off x="0" y="0"/>
+          <a:ext cx="0" cy="0"/>
+          <a:chOff x="0" y="0"/>
+          <a:chExt cx="0" cy="0"/>
+        </a:xfrm>
+      </p:grpSpPr>
+      <p:sp>
+        <p:nvSpPr>
+          <p:cNvPr id="2" name="Title 1"/>
+          <p:cNvSpPr>
+            <a:spLocks noGrp="1"/>
+          </p:cNvSpPr>
+          <p:nvPr>
+            <p:ph type="title"/>
+          </p:nvPr>
+        </p:nvSpPr>
+        <p:spPr>
+          <a:xfrm>
+            <a:off x="457200" y="1502815"/>
+            <a:ext cx="8229600" cy="2290574"/>
+          </a:xfrm>
+        </p:spPr>
+        <p:txBody>
+          <a:bodyPr/>
+          <a:lstStyle/>
+          <a:p>
+            <a:r>
+              <a:rPr lang="en-US" dirty="0" smtClean="0">
+                <a:solidFill>
+                  <a:schemeClr val="bg1"/>
+                </a:solidFill>
+              </a:rPr>
+              <a:t>ANY QUERIES ?</a:t>
+            </a:r>
+            <a:endParaRPr lang="en-US" dirty="0">
+              <a:solidFill>
+                <a:schemeClr val="bg1"/>
+              </a:solidFill>
+            </a:endParaRPr>
+          </a:p>
+        </p:txBody>
+      </p:sp>
+    </p:spTree>
+    <p:extLst>
+      <p:ext uri="{BB962C8B-B14F-4D97-AF65-F5344CB8AC3E}">
+        <p14:creationId xmlns:p14="http://schemas.microsoft.com/office/powerpoint/2010/main" val="2786827472"/>
       </p:ext>
     </p:extLst>
   </p:cSld>
@@ -5415,12 +5599,8 @@
               <a:t>It has </a:t>
             </a:r>
             <a:r>
-              <a:rPr lang="en-US" dirty="0" err="1" smtClean="0"/>
-              <a:t>ablity</a:t>
-            </a:r>
-            <a:r>
               <a:rPr lang="en-US" dirty="0" smtClean="0"/>
-              <a:t>  </a:t>
+              <a:t>ability  </a:t>
             </a:r>
             <a:r>
               <a:rPr lang="en-US" dirty="0"/>
@@ -6234,12 +6414,12 @@
               <a:t> folder create a new </a:t>
             </a:r>
             <a:r>
-              <a:rPr lang="en-US" dirty="0" err="1" smtClean="0"/>
-              <a:t>floder</a:t>
-            </a:r>
-            <a:r>
               <a:rPr lang="en-US" dirty="0" smtClean="0"/>
-              <a:t> called </a:t>
+              <a:t>folder </a:t>
+            </a:r>
+            <a:r>
+              <a:rPr lang="en-US" dirty="0" smtClean="0"/>
+              <a:t>called </a:t>
             </a:r>
             <a:r>
               <a:rPr lang="en-US" dirty="0" smtClean="0">
@@ -6374,8 +6554,8 @@
               <a:t>Each markdown file in a folder becomes a HTML file with the route being the parent folder and the readme.md file becomes the index.html file for that </a:t>
             </a:r>
             <a:r>
-              <a:rPr lang="en-US" dirty="0" err="1" smtClean="0"/>
-              <a:t>subroute</a:t>
+              <a:rPr lang="en-US" dirty="0" smtClean="0"/>
+              <a:t>sub route.</a:t>
             </a:r>
             <a:endParaRPr lang="en-US" dirty="0"/>
           </a:p>

--- a/workshop.pptx
+++ b/workshop.pptx
@@ -5,7 +5,7 @@
     <p:sldMasterId id="2147483648" r:id="rId1"/>
   </p:sldMasterIdLst>
   <p:notesMasterIdLst>
-    <p:notesMasterId r:id="rId17"/>
+    <p:notesMasterId r:id="rId18"/>
   </p:notesMasterIdLst>
   <p:sldIdLst>
     <p:sldId id="256" r:id="rId2"/>
@@ -21,8 +21,9 @@
     <p:sldId id="269" r:id="rId12"/>
     <p:sldId id="266" r:id="rId13"/>
     <p:sldId id="267" r:id="rId14"/>
-    <p:sldId id="270" r:id="rId15"/>
-    <p:sldId id="272" r:id="rId16"/>
+    <p:sldId id="273" r:id="rId15"/>
+    <p:sldId id="270" r:id="rId16"/>
+    <p:sldId id="272" r:id="rId17"/>
   </p:sldIdLst>
   <p:sldSz cx="9144000" cy="5143500" type="screen16x9"/>
   <p:notesSz cx="6858000" cy="9144000"/>
@@ -995,10 +996,9 @@
           <a:bodyPr/>
           <a:lstStyle/>
           <a:p>
-            <a:fld id="{53074F12-AA26-4AC8-9962-C36BB8F32554}" type="datetimeFigureOut">
+            <a:fld id="{7279C17B-301F-4715-A0CF-52E739C301D3}" type="datetime1">
               <a:rPr lang="en-US" smtClean="0"/>
-              <a:pPr/>
-              <a:t>2/25/2020</a:t>
+              <a:t>2/26/2020</a:t>
             </a:fld>
             <a:endParaRPr lang="en-US"/>
           </a:p>
@@ -1019,6 +1019,10 @@
           <a:bodyPr/>
           <a:lstStyle/>
           <a:p>
+            <a:r>
+              <a:rPr lang="en-US" smtClean="0"/>
+              <a:t>Building a website with Vuepress</a:t>
+            </a:r>
             <a:endParaRPr lang="en-US" dirty="0"/>
           </a:p>
         </p:txBody>
@@ -1249,10 +1253,9 @@
           <a:bodyPr/>
           <a:lstStyle/>
           <a:p>
-            <a:fld id="{53074F12-AA26-4AC8-9962-C36BB8F32554}" type="datetimeFigureOut">
+            <a:fld id="{D8150612-B262-4201-A617-89FE72E8ABA6}" type="datetime1">
               <a:rPr lang="en-US" smtClean="0"/>
-              <a:pPr/>
-              <a:t>2/25/2020</a:t>
+              <a:t>2/26/2020</a:t>
             </a:fld>
             <a:endParaRPr lang="en-US"/>
           </a:p>
@@ -1273,6 +1276,10 @@
           <a:bodyPr/>
           <a:lstStyle/>
           <a:p>
+            <a:r>
+              <a:rPr lang="en-US" smtClean="0"/>
+              <a:t>Building a website with Vuepress</a:t>
+            </a:r>
             <a:endParaRPr lang="en-US"/>
           </a:p>
         </p:txBody>
@@ -1419,10 +1426,9 @@
           <a:bodyPr/>
           <a:lstStyle/>
           <a:p>
-            <a:fld id="{53074F12-AA26-4AC8-9962-C36BB8F32554}" type="datetimeFigureOut">
+            <a:fld id="{8FA7B9C2-D594-4A43-A8AC-5B62D2C5EEE3}" type="datetime1">
               <a:rPr lang="en-US" smtClean="0"/>
-              <a:pPr/>
-              <a:t>2/25/2020</a:t>
+              <a:t>2/26/2020</a:t>
             </a:fld>
             <a:endParaRPr lang="en-US"/>
           </a:p>
@@ -1443,6 +1449,10 @@
           <a:bodyPr/>
           <a:lstStyle/>
           <a:p>
+            <a:r>
+              <a:rPr lang="en-US" smtClean="0"/>
+              <a:t>Building a website with Vuepress</a:t>
+            </a:r>
             <a:endParaRPr lang="en-US"/>
           </a:p>
         </p:txBody>
@@ -1599,10 +1609,9 @@
           <a:bodyPr/>
           <a:lstStyle/>
           <a:p>
-            <a:fld id="{53074F12-AA26-4AC8-9962-C36BB8F32554}" type="datetimeFigureOut">
+            <a:fld id="{C56416AD-A337-4017-A5F0-C1C359322B27}" type="datetime1">
               <a:rPr lang="en-US" smtClean="0"/>
-              <a:pPr/>
-              <a:t>2/25/2020</a:t>
+              <a:t>2/26/2020</a:t>
             </a:fld>
             <a:endParaRPr lang="en-US"/>
           </a:p>
@@ -1623,6 +1632,10 @@
           <a:bodyPr/>
           <a:lstStyle/>
           <a:p>
+            <a:r>
+              <a:rPr lang="en-US" smtClean="0"/>
+              <a:t>Building a website with Vuepress</a:t>
+            </a:r>
             <a:endParaRPr lang="en-US"/>
           </a:p>
         </p:txBody>
@@ -1881,10 +1894,9 @@
           <a:bodyPr/>
           <a:lstStyle/>
           <a:p>
-            <a:fld id="{53074F12-AA26-4AC8-9962-C36BB8F32554}" type="datetimeFigureOut">
+            <a:fld id="{472F52A6-410C-49F4-AD60-182F939C0AFF}" type="datetime1">
               <a:rPr lang="en-US" smtClean="0"/>
-              <a:pPr/>
-              <a:t>2/25/2020</a:t>
+              <a:t>2/26/2020</a:t>
             </a:fld>
             <a:endParaRPr lang="en-US"/>
           </a:p>
@@ -1905,6 +1917,10 @@
           <a:bodyPr/>
           <a:lstStyle/>
           <a:p>
+            <a:r>
+              <a:rPr lang="en-US" smtClean="0"/>
+              <a:t>Building a website with Vuepress</a:t>
+            </a:r>
             <a:endParaRPr lang="en-US"/>
           </a:p>
         </p:txBody>
@@ -2128,10 +2144,9 @@
           <a:bodyPr/>
           <a:lstStyle/>
           <a:p>
-            <a:fld id="{53074F12-AA26-4AC8-9962-C36BB8F32554}" type="datetimeFigureOut">
+            <a:fld id="{02D59212-D27A-4712-9597-7D4FC19B55A8}" type="datetime1">
               <a:rPr lang="en-US" smtClean="0"/>
-              <a:pPr/>
-              <a:t>2/25/2020</a:t>
+              <a:t>2/26/2020</a:t>
             </a:fld>
             <a:endParaRPr lang="en-US"/>
           </a:p>
@@ -2152,6 +2167,10 @@
           <a:bodyPr/>
           <a:lstStyle/>
           <a:p>
+            <a:r>
+              <a:rPr lang="en-US" smtClean="0"/>
+              <a:t>Building a website with Vuepress</a:t>
+            </a:r>
             <a:endParaRPr lang="en-US" dirty="0"/>
           </a:p>
         </p:txBody>
@@ -2375,10 +2394,9 @@
           <a:bodyPr/>
           <a:lstStyle/>
           <a:p>
-            <a:fld id="{53074F12-AA26-4AC8-9962-C36BB8F32554}" type="datetimeFigureOut">
+            <a:fld id="{CFC1D4D3-4910-4E4E-A6D5-6111F521AD9D}" type="datetime1">
               <a:rPr lang="en-US" smtClean="0"/>
-              <a:pPr/>
-              <a:t>2/25/2020</a:t>
+              <a:t>2/26/2020</a:t>
             </a:fld>
             <a:endParaRPr lang="en-US"/>
           </a:p>
@@ -2399,6 +2417,10 @@
           <a:bodyPr/>
           <a:lstStyle/>
           <a:p>
+            <a:r>
+              <a:rPr lang="en-US" smtClean="0"/>
+              <a:t>Building a website with Vuepress</a:t>
+            </a:r>
             <a:endParaRPr lang="en-US"/>
           </a:p>
         </p:txBody>
@@ -2662,10 +2684,9 @@
           <a:bodyPr/>
           <a:lstStyle/>
           <a:p>
-            <a:fld id="{53074F12-AA26-4AC8-9962-C36BB8F32554}" type="datetimeFigureOut">
+            <a:fld id="{69A98EAA-3F77-4BC7-97B5-911D93BE01E6}" type="datetime1">
               <a:rPr lang="en-US" smtClean="0"/>
-              <a:pPr/>
-              <a:t>2/25/2020</a:t>
+              <a:t>2/26/2020</a:t>
             </a:fld>
             <a:endParaRPr lang="en-US"/>
           </a:p>
@@ -2686,6 +2707,10 @@
           <a:bodyPr/>
           <a:lstStyle/>
           <a:p>
+            <a:r>
+              <a:rPr lang="en-US" smtClean="0"/>
+              <a:t>Building a website with Vuepress</a:t>
+            </a:r>
             <a:endParaRPr lang="en-US"/>
           </a:p>
         </p:txBody>
@@ -3149,10 +3174,9 @@
           <a:bodyPr/>
           <a:lstStyle/>
           <a:p>
-            <a:fld id="{53074F12-AA26-4AC8-9962-C36BB8F32554}" type="datetimeFigureOut">
+            <a:fld id="{5F0E47C4-E456-4350-B14A-18E8DB940351}" type="datetime1">
               <a:rPr lang="en-US" smtClean="0"/>
-              <a:pPr/>
-              <a:t>2/25/2020</a:t>
+              <a:t>2/26/2020</a:t>
             </a:fld>
             <a:endParaRPr lang="en-US"/>
           </a:p>
@@ -3173,6 +3197,10 @@
           <a:bodyPr/>
           <a:lstStyle/>
           <a:p>
+            <a:r>
+              <a:rPr lang="en-US" smtClean="0"/>
+              <a:t>Building a website with Vuepress</a:t>
+            </a:r>
             <a:endParaRPr lang="en-US"/>
           </a:p>
         </p:txBody>
@@ -3268,10 +3296,9 @@
           <a:bodyPr/>
           <a:lstStyle/>
           <a:p>
-            <a:fld id="{53074F12-AA26-4AC8-9962-C36BB8F32554}" type="datetimeFigureOut">
+            <a:fld id="{DE01C1D8-B99E-43F3-B80C-F06BE7A45E99}" type="datetime1">
               <a:rPr lang="en-US" smtClean="0"/>
-              <a:pPr/>
-              <a:t>2/25/2020</a:t>
+              <a:t>2/26/2020</a:t>
             </a:fld>
             <a:endParaRPr lang="en-US"/>
           </a:p>
@@ -3292,6 +3319,10 @@
           <a:bodyPr/>
           <a:lstStyle/>
           <a:p>
+            <a:r>
+              <a:rPr lang="en-US" smtClean="0"/>
+              <a:t>Building a website with Vuepress</a:t>
+            </a:r>
             <a:endParaRPr lang="en-US"/>
           </a:p>
         </p:txBody>
@@ -3365,10 +3396,9 @@
           <a:bodyPr/>
           <a:lstStyle/>
           <a:p>
-            <a:fld id="{53074F12-AA26-4AC8-9962-C36BB8F32554}" type="datetimeFigureOut">
+            <a:fld id="{6DA8ED55-669F-4FCF-999B-8B051263C7B7}" type="datetime1">
               <a:rPr lang="en-US" smtClean="0"/>
-              <a:pPr/>
-              <a:t>2/25/2020</a:t>
+              <a:t>2/26/2020</a:t>
             </a:fld>
             <a:endParaRPr lang="en-US"/>
           </a:p>
@@ -3389,6 +3419,10 @@
           <a:bodyPr/>
           <a:lstStyle/>
           <a:p>
+            <a:r>
+              <a:rPr lang="en-US" smtClean="0"/>
+              <a:t>Building a website with Vuepress</a:t>
+            </a:r>
             <a:endParaRPr lang="en-US"/>
           </a:p>
         </p:txBody>
@@ -3642,10 +3676,9 @@
           <a:bodyPr/>
           <a:lstStyle/>
           <a:p>
-            <a:fld id="{53074F12-AA26-4AC8-9962-C36BB8F32554}" type="datetimeFigureOut">
+            <a:fld id="{A90D3A42-910E-40E2-B0C3-2652A925222A}" type="datetime1">
               <a:rPr lang="en-US" smtClean="0"/>
-              <a:pPr/>
-              <a:t>2/25/2020</a:t>
+              <a:t>2/26/2020</a:t>
             </a:fld>
             <a:endParaRPr lang="en-US"/>
           </a:p>
@@ -3666,6 +3699,10 @@
           <a:bodyPr/>
           <a:lstStyle/>
           <a:p>
+            <a:r>
+              <a:rPr lang="en-US" smtClean="0"/>
+              <a:t>Building a website with Vuepress</a:t>
+            </a:r>
             <a:endParaRPr lang="en-US"/>
           </a:p>
         </p:txBody>
@@ -3864,10 +3901,9 @@
             </a:lvl1pPr>
           </a:lstStyle>
           <a:p>
-            <a:fld id="{53074F12-AA26-4AC8-9962-C36BB8F32554}" type="datetimeFigureOut">
+            <a:fld id="{226FB1F7-CCF4-4EDE-9E18-C2E5BF1CC400}" type="datetime1">
               <a:rPr lang="en-US" smtClean="0"/>
-              <a:pPr/>
-              <a:t>2/25/2020</a:t>
+              <a:t>2/26/2020</a:t>
             </a:fld>
             <a:endParaRPr lang="en-US"/>
           </a:p>
@@ -3906,6 +3942,10 @@
             </a:lvl1pPr>
           </a:lstStyle>
           <a:p>
+            <a:r>
+              <a:rPr lang="en-US" smtClean="0"/>
+              <a:t>Building a website with Vuepress</a:t>
+            </a:r>
             <a:endParaRPr lang="en-US"/>
           </a:p>
         </p:txBody>
@@ -4027,6 +4067,7 @@
     <p:sldLayoutId id="2147483658" r:id="rId11"/>
     <p:sldLayoutId id="2147483659" r:id="rId12"/>
   </p:sldLayoutIdLst>
+  <p:hf hdr="0" dt="0"/>
   <p:txStyles>
     <p:titleStyle>
       <a:lvl1pPr algn="ctr" defTabSz="914400" rtl="0" eaLnBrk="1" latinLnBrk="0" hangingPunct="1">
@@ -4343,6 +4384,53 @@
           </a:p>
         </p:txBody>
       </p:sp>
+      <p:sp>
+        <p:nvSpPr>
+          <p:cNvPr id="3" name="Slide Number Placeholder 2"/>
+          <p:cNvSpPr>
+            <a:spLocks noGrp="1"/>
+          </p:cNvSpPr>
+          <p:nvPr>
+            <p:ph type="sldNum" sz="quarter" idx="12"/>
+          </p:nvPr>
+        </p:nvSpPr>
+        <p:spPr/>
+        <p:txBody>
+          <a:bodyPr/>
+          <a:lstStyle/>
+          <a:p>
+            <a:fld id="{B82CCC60-E8CD-4174-8B1A-7DF615B22EEF}" type="slidenum">
+              <a:rPr lang="en-US" smtClean="0"/>
+              <a:pPr/>
+              <a:t>1</a:t>
+            </a:fld>
+            <a:endParaRPr lang="en-US"/>
+          </a:p>
+        </p:txBody>
+      </p:sp>
+      <p:sp>
+        <p:nvSpPr>
+          <p:cNvPr id="4" name="Footer Placeholder 3"/>
+          <p:cNvSpPr>
+            <a:spLocks noGrp="1"/>
+          </p:cNvSpPr>
+          <p:nvPr>
+            <p:ph type="ftr" sz="quarter" idx="11"/>
+          </p:nvPr>
+        </p:nvSpPr>
+        <p:spPr/>
+        <p:txBody>
+          <a:bodyPr/>
+          <a:lstStyle/>
+          <a:p>
+            <a:r>
+              <a:rPr lang="en-US" smtClean="0"/>
+              <a:t>Building a website with Vuepress</a:t>
+            </a:r>
+            <a:endParaRPr lang="en-US"/>
+          </a:p>
+        </p:txBody>
+      </p:sp>
     </p:spTree>
     <p:extLst>
       <p:ext uri="{BB962C8B-B14F-4D97-AF65-F5344CB8AC3E}">
@@ -4419,11 +4507,7 @@
             </a:r>
             <a:r>
               <a:rPr lang="en-US" dirty="0" smtClean="0"/>
-              <a:t>dir. </a:t>
-            </a:r>
-            <a:r>
-              <a:rPr lang="en-US" dirty="0" smtClean="0"/>
-              <a:t>in </a:t>
+              <a:t>dir. in </a:t>
             </a:r>
             <a:r>
               <a:rPr lang="en-US" dirty="0"/>
@@ -4457,6 +4541,53 @@
             <a:r>
               <a:rPr lang="en-US" dirty="0" smtClean="0"/>
               <a:t> docs</a:t>
+            </a:r>
+            <a:endParaRPr lang="en-US" dirty="0"/>
+          </a:p>
+        </p:txBody>
+      </p:sp>
+      <p:sp>
+        <p:nvSpPr>
+          <p:cNvPr id="4" name="Slide Number Placeholder 3"/>
+          <p:cNvSpPr>
+            <a:spLocks noGrp="1"/>
+          </p:cNvSpPr>
+          <p:nvPr>
+            <p:ph type="sldNum" sz="quarter" idx="12"/>
+          </p:nvPr>
+        </p:nvSpPr>
+        <p:spPr/>
+        <p:txBody>
+          <a:bodyPr/>
+          <a:lstStyle/>
+          <a:p>
+            <a:fld id="{B82CCC60-E8CD-4174-8B1A-7DF615B22EEF}" type="slidenum">
+              <a:rPr lang="en-US" smtClean="0"/>
+              <a:pPr/>
+              <a:t>10</a:t>
+            </a:fld>
+            <a:endParaRPr lang="en-US"/>
+          </a:p>
+        </p:txBody>
+      </p:sp>
+      <p:sp>
+        <p:nvSpPr>
+          <p:cNvPr id="5" name="Footer Placeholder 4"/>
+          <p:cNvSpPr>
+            <a:spLocks noGrp="1"/>
+          </p:cNvSpPr>
+          <p:nvPr>
+            <p:ph type="ftr" sz="quarter" idx="11"/>
+          </p:nvPr>
+        </p:nvSpPr>
+        <p:spPr/>
+        <p:txBody>
+          <a:bodyPr/>
+          <a:lstStyle/>
+          <a:p>
+            <a:r>
+              <a:rPr lang="en-US" smtClean="0"/>
+              <a:t>Building a website with Vuepress</a:t>
             </a:r>
             <a:endParaRPr lang="en-US" dirty="0"/>
           </a:p>
@@ -4582,6 +4713,53 @@
           </a:p>
         </p:txBody>
       </p:sp>
+      <p:sp>
+        <p:nvSpPr>
+          <p:cNvPr id="4" name="Slide Number Placeholder 3"/>
+          <p:cNvSpPr>
+            <a:spLocks noGrp="1"/>
+          </p:cNvSpPr>
+          <p:nvPr>
+            <p:ph type="sldNum" sz="quarter" idx="12"/>
+          </p:nvPr>
+        </p:nvSpPr>
+        <p:spPr/>
+        <p:txBody>
+          <a:bodyPr/>
+          <a:lstStyle/>
+          <a:p>
+            <a:fld id="{B82CCC60-E8CD-4174-8B1A-7DF615B22EEF}" type="slidenum">
+              <a:rPr lang="en-US" smtClean="0"/>
+              <a:pPr/>
+              <a:t>11</a:t>
+            </a:fld>
+            <a:endParaRPr lang="en-US"/>
+          </a:p>
+        </p:txBody>
+      </p:sp>
+      <p:sp>
+        <p:nvSpPr>
+          <p:cNvPr id="5" name="Footer Placeholder 4"/>
+          <p:cNvSpPr>
+            <a:spLocks noGrp="1"/>
+          </p:cNvSpPr>
+          <p:nvPr>
+            <p:ph type="ftr" sz="quarter" idx="11"/>
+          </p:nvPr>
+        </p:nvSpPr>
+        <p:spPr/>
+        <p:txBody>
+          <a:bodyPr/>
+          <a:lstStyle/>
+          <a:p>
+            <a:r>
+              <a:rPr lang="en-US" smtClean="0"/>
+              <a:t>Building a website with Vuepress</a:t>
+            </a:r>
+            <a:endParaRPr lang="en-US" dirty="0"/>
+          </a:p>
+        </p:txBody>
+      </p:sp>
     </p:spTree>
     <p:extLst>
       <p:ext uri="{BB962C8B-B14F-4D97-AF65-F5344CB8AC3E}">
@@ -4731,6 +4909,53 @@
           </a:p>
         </p:txBody>
       </p:sp>
+      <p:sp>
+        <p:nvSpPr>
+          <p:cNvPr id="4" name="Slide Number Placeholder 3"/>
+          <p:cNvSpPr>
+            <a:spLocks noGrp="1"/>
+          </p:cNvSpPr>
+          <p:nvPr>
+            <p:ph type="sldNum" sz="quarter" idx="12"/>
+          </p:nvPr>
+        </p:nvSpPr>
+        <p:spPr/>
+        <p:txBody>
+          <a:bodyPr/>
+          <a:lstStyle/>
+          <a:p>
+            <a:fld id="{B82CCC60-E8CD-4174-8B1A-7DF615B22EEF}" type="slidenum">
+              <a:rPr lang="en-US" smtClean="0"/>
+              <a:pPr/>
+              <a:t>12</a:t>
+            </a:fld>
+            <a:endParaRPr lang="en-US"/>
+          </a:p>
+        </p:txBody>
+      </p:sp>
+      <p:sp>
+        <p:nvSpPr>
+          <p:cNvPr id="5" name="Footer Placeholder 4"/>
+          <p:cNvSpPr>
+            <a:spLocks noGrp="1"/>
+          </p:cNvSpPr>
+          <p:nvPr>
+            <p:ph type="ftr" sz="quarter" idx="11"/>
+          </p:nvPr>
+        </p:nvSpPr>
+        <p:spPr/>
+        <p:txBody>
+          <a:bodyPr/>
+          <a:lstStyle/>
+          <a:p>
+            <a:r>
+              <a:rPr lang="en-US" smtClean="0"/>
+              <a:t>Building a website with Vuepress</a:t>
+            </a:r>
+            <a:endParaRPr lang="en-US" dirty="0"/>
+          </a:p>
+        </p:txBody>
+      </p:sp>
     </p:spTree>
     <p:extLst>
       <p:ext uri="{BB962C8B-B14F-4D97-AF65-F5344CB8AC3E}">
@@ -4822,6 +5047,53 @@
           </a:p>
         </p:txBody>
       </p:sp>
+      <p:sp>
+        <p:nvSpPr>
+          <p:cNvPr id="4" name="Slide Number Placeholder 3"/>
+          <p:cNvSpPr>
+            <a:spLocks noGrp="1"/>
+          </p:cNvSpPr>
+          <p:nvPr>
+            <p:ph type="sldNum" sz="quarter" idx="12"/>
+          </p:nvPr>
+        </p:nvSpPr>
+        <p:spPr/>
+        <p:txBody>
+          <a:bodyPr/>
+          <a:lstStyle/>
+          <a:p>
+            <a:fld id="{B82CCC60-E8CD-4174-8B1A-7DF615B22EEF}" type="slidenum">
+              <a:rPr lang="en-US" smtClean="0"/>
+              <a:pPr/>
+              <a:t>13</a:t>
+            </a:fld>
+            <a:endParaRPr lang="en-US"/>
+          </a:p>
+        </p:txBody>
+      </p:sp>
+      <p:sp>
+        <p:nvSpPr>
+          <p:cNvPr id="5" name="Footer Placeholder 4"/>
+          <p:cNvSpPr>
+            <a:spLocks noGrp="1"/>
+          </p:cNvSpPr>
+          <p:nvPr>
+            <p:ph type="ftr" sz="quarter" idx="11"/>
+          </p:nvPr>
+        </p:nvSpPr>
+        <p:spPr/>
+        <p:txBody>
+          <a:bodyPr/>
+          <a:lstStyle/>
+          <a:p>
+            <a:r>
+              <a:rPr lang="en-US" smtClean="0"/>
+              <a:t>Building a website with Vuepress</a:t>
+            </a:r>
+            <a:endParaRPr lang="en-US" dirty="0"/>
+          </a:p>
+        </p:txBody>
+      </p:sp>
     </p:spTree>
     <p:extLst>
       <p:ext uri="{BB962C8B-B14F-4D97-AF65-F5344CB8AC3E}">
@@ -4871,7 +5143,7 @@
           <a:p>
             <a:r>
               <a:rPr lang="en-US" dirty="0" smtClean="0"/>
-              <a:t>RESOURCES</a:t>
+              <a:t>Why not….??</a:t>
             </a:r>
             <a:endParaRPr lang="en-US" dirty="0"/>
           </a:p>
@@ -4893,47 +5165,68 @@
           <a:lstStyle/>
           <a:p>
             <a:r>
-              <a:rPr lang="en-US" dirty="0">
-                <a:hlinkClick r:id="rId2"/>
-              </a:rPr>
-              <a:t>https://vuepress.vuejs.org</a:t>
-            </a:r>
-            <a:r>
-              <a:rPr lang="en-US" dirty="0" smtClean="0">
-                <a:hlinkClick r:id="rId2"/>
-              </a:rPr>
-              <a:t>/</a:t>
-            </a:r>
-            <a:endParaRPr lang="en-US" dirty="0" smtClean="0"/>
-          </a:p>
-          <a:p>
-            <a:r>
-              <a:rPr lang="en-US" dirty="0">
-                <a:hlinkClick r:id="rId3"/>
-              </a:rPr>
-              <a:t>h</a:t>
-            </a:r>
-            <a:r>
-              <a:rPr lang="en-US" dirty="0" smtClean="0">
-                <a:hlinkClick r:id="rId3"/>
-              </a:rPr>
-              <a:t>ttps</a:t>
-            </a:r>
-            <a:r>
-              <a:rPr lang="en-US" dirty="0">
-                <a:hlinkClick r:id="rId3"/>
-              </a:rPr>
-              <a:t>://</a:t>
-            </a:r>
-            <a:r>
-              <a:rPr lang="en-US" dirty="0" smtClean="0">
-                <a:hlinkClick r:id="rId3"/>
-              </a:rPr>
-              <a:t>www.youtube.com/watch?v=5Kqyhu_eIcw</a:t>
-            </a:r>
-            <a:endParaRPr lang="en-US" dirty="0" smtClean="0"/>
-          </a:p>
-          <a:p>
+              <a:rPr lang="en-US" dirty="0" smtClean="0"/>
+              <a:t>NUXT</a:t>
+            </a:r>
+          </a:p>
+          <a:p>
+            <a:r>
+              <a:rPr lang="en-US" dirty="0" smtClean="0"/>
+              <a:t>HEXO</a:t>
+            </a:r>
+          </a:p>
+          <a:p>
+            <a:r>
+              <a:rPr lang="en-US" dirty="0" err="1" smtClean="0"/>
+              <a:t>Gitbook</a:t>
+            </a:r>
+            <a:endParaRPr lang="en-US" dirty="0"/>
+          </a:p>
+        </p:txBody>
+      </p:sp>
+      <p:sp>
+        <p:nvSpPr>
+          <p:cNvPr id="4" name="Slide Number Placeholder 3"/>
+          <p:cNvSpPr>
+            <a:spLocks noGrp="1"/>
+          </p:cNvSpPr>
+          <p:nvPr>
+            <p:ph type="sldNum" sz="quarter" idx="12"/>
+          </p:nvPr>
+        </p:nvSpPr>
+        <p:spPr/>
+        <p:txBody>
+          <a:bodyPr/>
+          <a:lstStyle/>
+          <a:p>
+            <a:fld id="{B82CCC60-E8CD-4174-8B1A-7DF615B22EEF}" type="slidenum">
+              <a:rPr lang="en-US" smtClean="0"/>
+              <a:pPr/>
+              <a:t>14</a:t>
+            </a:fld>
+            <a:endParaRPr lang="en-US"/>
+          </a:p>
+        </p:txBody>
+      </p:sp>
+      <p:sp>
+        <p:nvSpPr>
+          <p:cNvPr id="5" name="Footer Placeholder 4"/>
+          <p:cNvSpPr>
+            <a:spLocks noGrp="1"/>
+          </p:cNvSpPr>
+          <p:nvPr>
+            <p:ph type="ftr" sz="quarter" idx="11"/>
+          </p:nvPr>
+        </p:nvSpPr>
+        <p:spPr/>
+        <p:txBody>
+          <a:bodyPr/>
+          <a:lstStyle/>
+          <a:p>
+            <a:r>
+              <a:rPr lang="en-US" smtClean="0"/>
+              <a:t>Building a website with Vuepress</a:t>
+            </a:r>
             <a:endParaRPr lang="en-US" dirty="0"/>
           </a:p>
         </p:txBody>
@@ -4941,7 +5234,7 @@
     </p:spTree>
     <p:extLst>
       <p:ext uri="{BB962C8B-B14F-4D97-AF65-F5344CB8AC3E}">
-        <p14:creationId xmlns:p14="http://schemas.microsoft.com/office/powerpoint/2010/main" val="209993570"/>
+        <p14:creationId xmlns:p14="http://schemas.microsoft.com/office/powerpoint/2010/main" val="3678677443"/>
       </p:ext>
     </p:extLst>
   </p:cSld>
@@ -4978,6 +5271,169 @@
             <p:ph type="title"/>
           </p:nvPr>
         </p:nvSpPr>
+        <p:spPr/>
+        <p:txBody>
+          <a:bodyPr>
+            <a:normAutofit fontScale="90000"/>
+          </a:bodyPr>
+          <a:lstStyle/>
+          <a:p>
+            <a:r>
+              <a:rPr lang="en-US" dirty="0" smtClean="0"/>
+              <a:t>RESOURCES</a:t>
+            </a:r>
+            <a:endParaRPr lang="en-US" dirty="0"/>
+          </a:p>
+        </p:txBody>
+      </p:sp>
+      <p:sp>
+        <p:nvSpPr>
+          <p:cNvPr id="3" name="Content Placeholder 2"/>
+          <p:cNvSpPr>
+            <a:spLocks noGrp="1"/>
+          </p:cNvSpPr>
+          <p:nvPr>
+            <p:ph idx="1"/>
+          </p:nvPr>
+        </p:nvSpPr>
+        <p:spPr/>
+        <p:txBody>
+          <a:bodyPr/>
+          <a:lstStyle/>
+          <a:p>
+            <a:r>
+              <a:rPr lang="en-US" dirty="0">
+                <a:hlinkClick r:id="rId2"/>
+              </a:rPr>
+              <a:t>https://vuepress.vuejs.org</a:t>
+            </a:r>
+            <a:r>
+              <a:rPr lang="en-US" dirty="0" smtClean="0">
+                <a:hlinkClick r:id="rId2"/>
+              </a:rPr>
+              <a:t>/</a:t>
+            </a:r>
+            <a:endParaRPr lang="en-US" dirty="0" smtClean="0"/>
+          </a:p>
+          <a:p>
+            <a:r>
+              <a:rPr lang="en-US" dirty="0">
+                <a:hlinkClick r:id="rId3"/>
+              </a:rPr>
+              <a:t>h</a:t>
+            </a:r>
+            <a:r>
+              <a:rPr lang="en-US" dirty="0" smtClean="0">
+                <a:hlinkClick r:id="rId3"/>
+              </a:rPr>
+              <a:t>ttps</a:t>
+            </a:r>
+            <a:r>
+              <a:rPr lang="en-US" dirty="0">
+                <a:hlinkClick r:id="rId3"/>
+              </a:rPr>
+              <a:t>://</a:t>
+            </a:r>
+            <a:r>
+              <a:rPr lang="en-US" dirty="0" smtClean="0">
+                <a:hlinkClick r:id="rId3"/>
+              </a:rPr>
+              <a:t>www.youtube.com/watch?v=5Kqyhu_eIcw</a:t>
+            </a:r>
+            <a:endParaRPr lang="en-US" dirty="0" smtClean="0"/>
+          </a:p>
+          <a:p>
+            <a:endParaRPr lang="en-US" dirty="0"/>
+          </a:p>
+        </p:txBody>
+      </p:sp>
+      <p:sp>
+        <p:nvSpPr>
+          <p:cNvPr id="4" name="Slide Number Placeholder 3"/>
+          <p:cNvSpPr>
+            <a:spLocks noGrp="1"/>
+          </p:cNvSpPr>
+          <p:nvPr>
+            <p:ph type="sldNum" sz="quarter" idx="12"/>
+          </p:nvPr>
+        </p:nvSpPr>
+        <p:spPr/>
+        <p:txBody>
+          <a:bodyPr/>
+          <a:lstStyle/>
+          <a:p>
+            <a:fld id="{B82CCC60-E8CD-4174-8B1A-7DF615B22EEF}" type="slidenum">
+              <a:rPr lang="en-US" smtClean="0"/>
+              <a:pPr/>
+              <a:t>15</a:t>
+            </a:fld>
+            <a:endParaRPr lang="en-US"/>
+          </a:p>
+        </p:txBody>
+      </p:sp>
+      <p:sp>
+        <p:nvSpPr>
+          <p:cNvPr id="5" name="Footer Placeholder 4"/>
+          <p:cNvSpPr>
+            <a:spLocks noGrp="1"/>
+          </p:cNvSpPr>
+          <p:nvPr>
+            <p:ph type="ftr" sz="quarter" idx="11"/>
+          </p:nvPr>
+        </p:nvSpPr>
+        <p:spPr/>
+        <p:txBody>
+          <a:bodyPr/>
+          <a:lstStyle/>
+          <a:p>
+            <a:r>
+              <a:rPr lang="en-US" smtClean="0"/>
+              <a:t>Building a website with Vuepress</a:t>
+            </a:r>
+            <a:endParaRPr lang="en-US" dirty="0"/>
+          </a:p>
+        </p:txBody>
+      </p:sp>
+    </p:spTree>
+    <p:extLst>
+      <p:ext uri="{BB962C8B-B14F-4D97-AF65-F5344CB8AC3E}">
+        <p14:creationId xmlns:p14="http://schemas.microsoft.com/office/powerpoint/2010/main" val="209993570"/>
+      </p:ext>
+    </p:extLst>
+  </p:cSld>
+  <p:clrMapOvr>
+    <a:masterClrMapping/>
+  </p:clrMapOvr>
+</p:sld>
+</file>
+
+<file path=ppt/slides/slide16.xml><?xml version="1.0" encoding="utf-8"?>
+<p:sld xmlns:a="http://schemas.openxmlformats.org/drawingml/2006/main" xmlns:r="http://schemas.openxmlformats.org/officeDocument/2006/relationships" xmlns:p="http://schemas.openxmlformats.org/presentationml/2006/main">
+  <p:cSld>
+    <p:spTree>
+      <p:nvGrpSpPr>
+        <p:cNvPr id="1" name=""/>
+        <p:cNvGrpSpPr/>
+        <p:nvPr/>
+      </p:nvGrpSpPr>
+      <p:grpSpPr>
+        <a:xfrm>
+          <a:off x="0" y="0"/>
+          <a:ext cx="0" cy="0"/>
+          <a:chOff x="0" y="0"/>
+          <a:chExt cx="0" cy="0"/>
+        </a:xfrm>
+      </p:grpSpPr>
+      <p:sp>
+        <p:nvSpPr>
+          <p:cNvPr id="2" name="Title 1"/>
+          <p:cNvSpPr>
+            <a:spLocks noGrp="1"/>
+          </p:cNvSpPr>
+          <p:nvPr>
+            <p:ph type="title"/>
+          </p:nvPr>
+        </p:nvSpPr>
         <p:spPr>
           <a:xfrm>
             <a:off x="457200" y="1502815"/>
@@ -5001,6 +5457,53 @@
                 <a:schemeClr val="bg1"/>
               </a:solidFill>
             </a:endParaRPr>
+          </a:p>
+        </p:txBody>
+      </p:sp>
+      <p:sp>
+        <p:nvSpPr>
+          <p:cNvPr id="3" name="Slide Number Placeholder 2"/>
+          <p:cNvSpPr>
+            <a:spLocks noGrp="1"/>
+          </p:cNvSpPr>
+          <p:nvPr>
+            <p:ph type="sldNum" sz="quarter" idx="12"/>
+          </p:nvPr>
+        </p:nvSpPr>
+        <p:spPr/>
+        <p:txBody>
+          <a:bodyPr/>
+          <a:lstStyle/>
+          <a:p>
+            <a:fld id="{B82CCC60-E8CD-4174-8B1A-7DF615B22EEF}" type="slidenum">
+              <a:rPr lang="en-US" smtClean="0"/>
+              <a:pPr/>
+              <a:t>16</a:t>
+            </a:fld>
+            <a:endParaRPr lang="en-US"/>
+          </a:p>
+        </p:txBody>
+      </p:sp>
+      <p:sp>
+        <p:nvSpPr>
+          <p:cNvPr id="4" name="Footer Placeholder 3"/>
+          <p:cNvSpPr>
+            <a:spLocks noGrp="1"/>
+          </p:cNvSpPr>
+          <p:nvPr>
+            <p:ph type="ftr" sz="quarter" idx="11"/>
+          </p:nvPr>
+        </p:nvSpPr>
+        <p:spPr/>
+        <p:txBody>
+          <a:bodyPr/>
+          <a:lstStyle/>
+          <a:p>
+            <a:r>
+              <a:rPr lang="en-US" smtClean="0"/>
+              <a:t>Building a website with Vuepress</a:t>
+            </a:r>
+            <a:endParaRPr lang="en-US"/>
           </a:p>
         </p:txBody>
       </p:sp>
@@ -5066,7 +5569,7 @@
       </p:pic>
       <p:pic>
         <p:nvPicPr>
-          <p:cNvPr id="5" name="Picture 4"/>
+          <p:cNvPr id="6" name="Picture 5"/>
           <p:cNvPicPr>
             <a:picLocks noChangeAspect="1"/>
           </p:cNvPicPr>
@@ -5074,36 +5577,6 @@
         </p:nvPicPr>
         <p:blipFill>
           <a:blip r:embed="rId4" cstate="print">
-            <a:extLst>
-              <a:ext uri="{28A0092B-C50C-407E-A947-70E740481C1C}">
-                <a14:useLocalDpi xmlns:a14="http://schemas.microsoft.com/office/drawing/2010/main" val="0"/>
-              </a:ext>
-            </a:extLst>
-          </a:blip>
-          <a:stretch>
-            <a:fillRect/>
-          </a:stretch>
-        </p:blipFill>
-        <p:spPr>
-          <a:xfrm>
-            <a:off x="192280" y="128470"/>
-            <a:ext cx="2065470" cy="1383933"/>
-          </a:xfrm>
-          <a:prstGeom prst="rect">
-            <a:avLst/>
-          </a:prstGeom>
-        </p:spPr>
-      </p:pic>
-      <p:pic>
-        <p:nvPicPr>
-          <p:cNvPr id="6" name="Picture 5"/>
-          <p:cNvPicPr>
-            <a:picLocks noChangeAspect="1"/>
-          </p:cNvPicPr>
-          <p:nvPr/>
-        </p:nvPicPr>
-        <p:blipFill>
-          <a:blip r:embed="rId5" cstate="print">
             <a:extLst>
               <a:ext uri="{28A0092B-C50C-407E-A947-70E740481C1C}">
                 <a14:useLocalDpi xmlns:a14="http://schemas.microsoft.com/office/drawing/2010/main" val="0"/>
@@ -5133,7 +5606,7 @@
           <p:nvPr/>
         </p:nvPicPr>
         <p:blipFill>
-          <a:blip r:embed="rId6" cstate="print">
+          <a:blip r:embed="rId5" cstate="print">
             <a:extLst>
               <a:ext uri="{28A0092B-C50C-407E-A947-70E740481C1C}">
                 <a14:useLocalDpi xmlns:a14="http://schemas.microsoft.com/office/drawing/2010/main" val="0"/>
@@ -5162,8 +5635,8 @@
         </p:nvSpPr>
         <p:spPr>
           <a:xfrm>
-            <a:off x="0" y="1626516"/>
-            <a:ext cx="2965364" cy="646331"/>
+            <a:off x="-1" y="1613298"/>
+            <a:ext cx="2892245" cy="646331"/>
           </a:xfrm>
           <a:prstGeom prst="rect">
             <a:avLst/>
@@ -5173,17 +5646,20 @@
           </a:ln>
         </p:spPr>
         <p:txBody>
-          <a:bodyPr wrap="none">
+          <a:bodyPr wrap="square">
             <a:spAutoFit/>
           </a:bodyPr>
           <a:lstStyle/>
           <a:p>
             <a:r>
               <a:rPr lang="en-US" dirty="0" smtClean="0">
-                <a:hlinkClick r:id="rId7"/>
+                <a:hlinkClick r:id="rId6"/>
               </a:rPr>
-              <a:t>SWAROOPA TIRUMALAREDDY</a:t>
-            </a:r>
+              <a:t>SWAROOPATIRUMALAREDDY</a:t>
+            </a:r>
+            <a:endParaRPr lang="en-US" dirty="0" smtClean="0">
+              <a:hlinkClick r:id="rId6"/>
+            </a:endParaRPr>
           </a:p>
           <a:p>
             <a:endParaRPr lang="en-US" dirty="0"/>
@@ -5213,7 +5689,7 @@
           <a:p>
             <a:r>
               <a:rPr lang="en-US" dirty="0" smtClean="0">
-                <a:hlinkClick r:id="rId8"/>
+                <a:hlinkClick r:id="rId7"/>
               </a:rPr>
               <a:t>BHARATH KUMAR GANDHASIRI</a:t>
             </a:r>
@@ -5247,7 +5723,7 @@
           <a:p>
             <a:r>
               <a:rPr lang="en-US" dirty="0" smtClean="0">
-                <a:hlinkClick r:id="rId9"/>
+                <a:hlinkClick r:id="rId8"/>
               </a:rPr>
               <a:t>NOOKA RAJU BODDU</a:t>
             </a:r>
@@ -5278,11 +5754,88 @@
           <a:p>
             <a:r>
               <a:rPr lang="en-US" dirty="0">
-                <a:hlinkClick r:id="rId10"/>
+                <a:hlinkClick r:id="rId9"/>
               </a:rPr>
               <a:t>RAJASHEKAR GANDE</a:t>
             </a:r>
             <a:endParaRPr lang="en-US" dirty="0"/>
+          </a:p>
+        </p:txBody>
+      </p:sp>
+      <p:pic>
+        <p:nvPicPr>
+          <p:cNvPr id="2" name="Picture 1"/>
+          <p:cNvPicPr>
+            <a:picLocks noChangeAspect="1"/>
+          </p:cNvPicPr>
+          <p:nvPr/>
+        </p:nvPicPr>
+        <p:blipFill>
+          <a:blip r:embed="rId10">
+            <a:extLst>
+              <a:ext uri="{28A0092B-C50C-407E-A947-70E740481C1C}">
+                <a14:useLocalDpi xmlns:a14="http://schemas.microsoft.com/office/drawing/2010/main" val="0"/>
+              </a:ext>
+            </a:extLst>
+          </a:blip>
+          <a:stretch>
+            <a:fillRect/>
+          </a:stretch>
+        </p:blipFill>
+        <p:spPr>
+          <a:xfrm>
+            <a:off x="204397" y="128469"/>
+            <a:ext cx="2077028" cy="1484829"/>
+          </a:xfrm>
+          <a:prstGeom prst="rect">
+            <a:avLst/>
+          </a:prstGeom>
+        </p:spPr>
+      </p:pic>
+      <p:sp>
+        <p:nvSpPr>
+          <p:cNvPr id="3" name="Slide Number Placeholder 2"/>
+          <p:cNvSpPr>
+            <a:spLocks noGrp="1"/>
+          </p:cNvSpPr>
+          <p:nvPr>
+            <p:ph type="sldNum" sz="quarter" idx="12"/>
+          </p:nvPr>
+        </p:nvSpPr>
+        <p:spPr/>
+        <p:txBody>
+          <a:bodyPr/>
+          <a:lstStyle/>
+          <a:p>
+            <a:fld id="{B82CCC60-E8CD-4174-8B1A-7DF615B22EEF}" type="slidenum">
+              <a:rPr lang="en-US" smtClean="0"/>
+              <a:pPr/>
+              <a:t>2</a:t>
+            </a:fld>
+            <a:endParaRPr lang="en-US"/>
+          </a:p>
+        </p:txBody>
+      </p:sp>
+      <p:sp>
+        <p:nvSpPr>
+          <p:cNvPr id="8" name="Footer Placeholder 7"/>
+          <p:cNvSpPr>
+            <a:spLocks noGrp="1"/>
+          </p:cNvSpPr>
+          <p:nvPr>
+            <p:ph type="ftr" sz="quarter" idx="11"/>
+          </p:nvPr>
+        </p:nvSpPr>
+        <p:spPr/>
+        <p:txBody>
+          <a:bodyPr/>
+          <a:lstStyle/>
+          <a:p>
+            <a:r>
+              <a:rPr lang="en-US" smtClean="0"/>
+              <a:t>Building a website with Vuepress</a:t>
+            </a:r>
+            <a:endParaRPr lang="en-US"/>
           </a:p>
         </p:txBody>
       </p:sp>
@@ -5483,6 +6036,53 @@
           </a:p>
         </p:txBody>
       </p:sp>
+      <p:sp>
+        <p:nvSpPr>
+          <p:cNvPr id="2" name="Slide Number Placeholder 1"/>
+          <p:cNvSpPr>
+            <a:spLocks noGrp="1"/>
+          </p:cNvSpPr>
+          <p:nvPr>
+            <p:ph type="sldNum" sz="quarter" idx="12"/>
+          </p:nvPr>
+        </p:nvSpPr>
+        <p:spPr/>
+        <p:txBody>
+          <a:bodyPr/>
+          <a:lstStyle/>
+          <a:p>
+            <a:fld id="{B82CCC60-E8CD-4174-8B1A-7DF615B22EEF}" type="slidenum">
+              <a:rPr lang="en-US" smtClean="0"/>
+              <a:pPr/>
+              <a:t>3</a:t>
+            </a:fld>
+            <a:endParaRPr lang="en-US"/>
+          </a:p>
+        </p:txBody>
+      </p:sp>
+      <p:sp>
+        <p:nvSpPr>
+          <p:cNvPr id="3" name="Footer Placeholder 2"/>
+          <p:cNvSpPr>
+            <a:spLocks noGrp="1"/>
+          </p:cNvSpPr>
+          <p:nvPr>
+            <p:ph type="ftr" sz="quarter" idx="11"/>
+          </p:nvPr>
+        </p:nvSpPr>
+        <p:spPr/>
+        <p:txBody>
+          <a:bodyPr/>
+          <a:lstStyle/>
+          <a:p>
+            <a:r>
+              <a:rPr lang="en-US" smtClean="0"/>
+              <a:t>Building a website with Vuepress</a:t>
+            </a:r>
+            <a:endParaRPr lang="en-US" dirty="0"/>
+          </a:p>
+        </p:txBody>
+      </p:sp>
     </p:spTree>
     <p:extLst>
       <p:ext uri="{BB962C8B-B14F-4D97-AF65-F5344CB8AC3E}">
@@ -5596,11 +6196,7 @@
             <a:pPr fontAlgn="base"/>
             <a:r>
               <a:rPr lang="en-US" dirty="0" smtClean="0"/>
-              <a:t>It has </a:t>
-            </a:r>
-            <a:r>
-              <a:rPr lang="en-US" dirty="0" smtClean="0"/>
-              <a:t>ability  </a:t>
+              <a:t>It has ability  </a:t>
             </a:r>
             <a:r>
               <a:rPr lang="en-US" dirty="0"/>
@@ -5628,6 +6224,53 @@
             <a:endParaRPr lang="en-US" dirty="0"/>
           </a:p>
           <a:p>
+            <a:endParaRPr lang="en-US" dirty="0"/>
+          </a:p>
+        </p:txBody>
+      </p:sp>
+      <p:sp>
+        <p:nvSpPr>
+          <p:cNvPr id="2" name="Slide Number Placeholder 1"/>
+          <p:cNvSpPr>
+            <a:spLocks noGrp="1"/>
+          </p:cNvSpPr>
+          <p:nvPr>
+            <p:ph type="sldNum" sz="quarter" idx="12"/>
+          </p:nvPr>
+        </p:nvSpPr>
+        <p:spPr/>
+        <p:txBody>
+          <a:bodyPr/>
+          <a:lstStyle/>
+          <a:p>
+            <a:fld id="{B82CCC60-E8CD-4174-8B1A-7DF615B22EEF}" type="slidenum">
+              <a:rPr lang="en-US" smtClean="0"/>
+              <a:pPr/>
+              <a:t>4</a:t>
+            </a:fld>
+            <a:endParaRPr lang="en-US"/>
+          </a:p>
+        </p:txBody>
+      </p:sp>
+      <p:sp>
+        <p:nvSpPr>
+          <p:cNvPr id="3" name="Footer Placeholder 2"/>
+          <p:cNvSpPr>
+            <a:spLocks noGrp="1"/>
+          </p:cNvSpPr>
+          <p:nvPr>
+            <p:ph type="ftr" sz="quarter" idx="11"/>
+          </p:nvPr>
+        </p:nvSpPr>
+        <p:spPr/>
+        <p:txBody>
+          <a:bodyPr/>
+          <a:lstStyle/>
+          <a:p>
+            <a:r>
+              <a:rPr lang="en-US" smtClean="0"/>
+              <a:t>Building a website with Vuepress</a:t>
+            </a:r>
             <a:endParaRPr lang="en-US" dirty="0"/>
           </a:p>
         </p:txBody>
@@ -5753,6 +6396,53 @@
           </a:p>
         </p:txBody>
       </p:sp>
+      <p:sp>
+        <p:nvSpPr>
+          <p:cNvPr id="4" name="Slide Number Placeholder 3"/>
+          <p:cNvSpPr>
+            <a:spLocks noGrp="1"/>
+          </p:cNvSpPr>
+          <p:nvPr>
+            <p:ph type="sldNum" sz="quarter" idx="12"/>
+          </p:nvPr>
+        </p:nvSpPr>
+        <p:spPr/>
+        <p:txBody>
+          <a:bodyPr/>
+          <a:lstStyle/>
+          <a:p>
+            <a:fld id="{B82CCC60-E8CD-4174-8B1A-7DF615B22EEF}" type="slidenum">
+              <a:rPr lang="en-US" smtClean="0"/>
+              <a:pPr/>
+              <a:t>5</a:t>
+            </a:fld>
+            <a:endParaRPr lang="en-US"/>
+          </a:p>
+        </p:txBody>
+      </p:sp>
+      <p:sp>
+        <p:nvSpPr>
+          <p:cNvPr id="5" name="Footer Placeholder 4"/>
+          <p:cNvSpPr>
+            <a:spLocks noGrp="1"/>
+          </p:cNvSpPr>
+          <p:nvPr>
+            <p:ph type="ftr" sz="quarter" idx="11"/>
+          </p:nvPr>
+        </p:nvSpPr>
+        <p:spPr/>
+        <p:txBody>
+          <a:bodyPr/>
+          <a:lstStyle/>
+          <a:p>
+            <a:r>
+              <a:rPr lang="en-US" smtClean="0"/>
+              <a:t>Building a website with Vuepress</a:t>
+            </a:r>
+            <a:endParaRPr lang="en-US" dirty="0"/>
+          </a:p>
+        </p:txBody>
+      </p:sp>
     </p:spTree>
     <p:extLst>
       <p:ext uri="{BB962C8B-B14F-4D97-AF65-F5344CB8AC3E}">
@@ -6008,6 +6698,53 @@
           </a:p>
         </p:txBody>
       </p:sp>
+      <p:sp>
+        <p:nvSpPr>
+          <p:cNvPr id="4" name="Slide Number Placeholder 3"/>
+          <p:cNvSpPr>
+            <a:spLocks noGrp="1"/>
+          </p:cNvSpPr>
+          <p:nvPr>
+            <p:ph type="sldNum" sz="quarter" idx="12"/>
+          </p:nvPr>
+        </p:nvSpPr>
+        <p:spPr/>
+        <p:txBody>
+          <a:bodyPr/>
+          <a:lstStyle/>
+          <a:p>
+            <a:fld id="{B82CCC60-E8CD-4174-8B1A-7DF615B22EEF}" type="slidenum">
+              <a:rPr lang="en-US" smtClean="0"/>
+              <a:pPr/>
+              <a:t>6</a:t>
+            </a:fld>
+            <a:endParaRPr lang="en-US"/>
+          </a:p>
+        </p:txBody>
+      </p:sp>
+      <p:sp>
+        <p:nvSpPr>
+          <p:cNvPr id="5" name="Footer Placeholder 4"/>
+          <p:cNvSpPr>
+            <a:spLocks noGrp="1"/>
+          </p:cNvSpPr>
+          <p:nvPr>
+            <p:ph type="ftr" sz="quarter" idx="11"/>
+          </p:nvPr>
+        </p:nvSpPr>
+        <p:spPr/>
+        <p:txBody>
+          <a:bodyPr/>
+          <a:lstStyle/>
+          <a:p>
+            <a:r>
+              <a:rPr lang="en-US" smtClean="0"/>
+              <a:t>Building a website with Vuepress</a:t>
+            </a:r>
+            <a:endParaRPr lang="en-US" dirty="0"/>
+          </a:p>
+        </p:txBody>
+      </p:sp>
     </p:spTree>
     <p:extLst>
       <p:ext uri="{BB962C8B-B14F-4D97-AF65-F5344CB8AC3E}">
@@ -6326,6 +7063,53 @@
           </a:p>
         </p:txBody>
       </p:sp>
+      <p:sp>
+        <p:nvSpPr>
+          <p:cNvPr id="4" name="Slide Number Placeholder 3"/>
+          <p:cNvSpPr>
+            <a:spLocks noGrp="1"/>
+          </p:cNvSpPr>
+          <p:nvPr>
+            <p:ph type="sldNum" sz="quarter" idx="12"/>
+          </p:nvPr>
+        </p:nvSpPr>
+        <p:spPr/>
+        <p:txBody>
+          <a:bodyPr/>
+          <a:lstStyle/>
+          <a:p>
+            <a:fld id="{B82CCC60-E8CD-4174-8B1A-7DF615B22EEF}" type="slidenum">
+              <a:rPr lang="en-US" smtClean="0"/>
+              <a:pPr/>
+              <a:t>7</a:t>
+            </a:fld>
+            <a:endParaRPr lang="en-US"/>
+          </a:p>
+        </p:txBody>
+      </p:sp>
+      <p:sp>
+        <p:nvSpPr>
+          <p:cNvPr id="5" name="Footer Placeholder 4"/>
+          <p:cNvSpPr>
+            <a:spLocks noGrp="1"/>
+          </p:cNvSpPr>
+          <p:nvPr>
+            <p:ph type="ftr" sz="quarter" idx="11"/>
+          </p:nvPr>
+        </p:nvSpPr>
+        <p:spPr/>
+        <p:txBody>
+          <a:bodyPr/>
+          <a:lstStyle/>
+          <a:p>
+            <a:r>
+              <a:rPr lang="en-US" smtClean="0"/>
+              <a:t>Building a website with Vuepress</a:t>
+            </a:r>
+            <a:endParaRPr lang="en-US" dirty="0"/>
+          </a:p>
+        </p:txBody>
+      </p:sp>
     </p:spTree>
     <p:extLst>
       <p:ext uri="{BB962C8B-B14F-4D97-AF65-F5344CB8AC3E}">
@@ -6411,15 +7195,7 @@
             </a:r>
             <a:r>
               <a:rPr lang="en-US" dirty="0" smtClean="0"/>
-              <a:t> folder create a new </a:t>
-            </a:r>
-            <a:r>
-              <a:rPr lang="en-US" dirty="0" smtClean="0"/>
-              <a:t>folder </a:t>
-            </a:r>
-            <a:r>
-              <a:rPr lang="en-US" dirty="0" smtClean="0"/>
-              <a:t>called </a:t>
+              <a:t> folder create a new folder called </a:t>
             </a:r>
             <a:r>
               <a:rPr lang="en-US" dirty="0" smtClean="0">
@@ -6551,11 +7327,54 @@
           <a:p>
             <a:r>
               <a:rPr lang="en-US" dirty="0" smtClean="0"/>
-              <a:t>Each markdown file in a folder becomes a HTML file with the route being the parent folder and the readme.md file becomes the index.html file for that </a:t>
-            </a:r>
-            <a:r>
-              <a:rPr lang="en-US" dirty="0" smtClean="0"/>
-              <a:t>sub route.</a:t>
+              <a:t>Each markdown file in a folder becomes a HTML file with the route being the parent folder and the readme.md file becomes the index.html file for that sub route.</a:t>
+            </a:r>
+            <a:endParaRPr lang="en-US" dirty="0"/>
+          </a:p>
+        </p:txBody>
+      </p:sp>
+      <p:sp>
+        <p:nvSpPr>
+          <p:cNvPr id="4" name="Slide Number Placeholder 3"/>
+          <p:cNvSpPr>
+            <a:spLocks noGrp="1"/>
+          </p:cNvSpPr>
+          <p:nvPr>
+            <p:ph type="sldNum" sz="quarter" idx="12"/>
+          </p:nvPr>
+        </p:nvSpPr>
+        <p:spPr/>
+        <p:txBody>
+          <a:bodyPr/>
+          <a:lstStyle/>
+          <a:p>
+            <a:fld id="{B82CCC60-E8CD-4174-8B1A-7DF615B22EEF}" type="slidenum">
+              <a:rPr lang="en-US" smtClean="0"/>
+              <a:pPr/>
+              <a:t>8</a:t>
+            </a:fld>
+            <a:endParaRPr lang="en-US"/>
+          </a:p>
+        </p:txBody>
+      </p:sp>
+      <p:sp>
+        <p:nvSpPr>
+          <p:cNvPr id="5" name="Footer Placeholder 4"/>
+          <p:cNvSpPr>
+            <a:spLocks noGrp="1"/>
+          </p:cNvSpPr>
+          <p:nvPr>
+            <p:ph type="ftr" sz="quarter" idx="11"/>
+          </p:nvPr>
+        </p:nvSpPr>
+        <p:spPr/>
+        <p:txBody>
+          <a:bodyPr/>
+          <a:lstStyle/>
+          <a:p>
+            <a:r>
+              <a:rPr lang="en-US" smtClean="0"/>
+              <a:t>Building a website with Vuepress</a:t>
             </a:r>
             <a:endParaRPr lang="en-US" dirty="0"/>
           </a:p>
@@ -6898,6 +7717,53 @@
               <a:t>package.json</a:t>
             </a:r>
             <a:endParaRPr lang="en-US" sz="1400" dirty="0"/>
+          </a:p>
+        </p:txBody>
+      </p:sp>
+      <p:sp>
+        <p:nvSpPr>
+          <p:cNvPr id="4" name="Slide Number Placeholder 3"/>
+          <p:cNvSpPr>
+            <a:spLocks noGrp="1"/>
+          </p:cNvSpPr>
+          <p:nvPr>
+            <p:ph type="sldNum" sz="quarter" idx="12"/>
+          </p:nvPr>
+        </p:nvSpPr>
+        <p:spPr/>
+        <p:txBody>
+          <a:bodyPr/>
+          <a:lstStyle/>
+          <a:p>
+            <a:fld id="{B82CCC60-E8CD-4174-8B1A-7DF615B22EEF}" type="slidenum">
+              <a:rPr lang="en-US" smtClean="0"/>
+              <a:pPr/>
+              <a:t>9</a:t>
+            </a:fld>
+            <a:endParaRPr lang="en-US"/>
+          </a:p>
+        </p:txBody>
+      </p:sp>
+      <p:sp>
+        <p:nvSpPr>
+          <p:cNvPr id="5" name="Footer Placeholder 4"/>
+          <p:cNvSpPr>
+            <a:spLocks noGrp="1"/>
+          </p:cNvSpPr>
+          <p:nvPr>
+            <p:ph type="ftr" sz="quarter" idx="11"/>
+          </p:nvPr>
+        </p:nvSpPr>
+        <p:spPr/>
+        <p:txBody>
+          <a:bodyPr/>
+          <a:lstStyle/>
+          <a:p>
+            <a:r>
+              <a:rPr lang="en-US" smtClean="0"/>
+              <a:t>Building a website with Vuepress</a:t>
+            </a:r>
+            <a:endParaRPr lang="en-US" dirty="0"/>
           </a:p>
         </p:txBody>
       </p:sp>
